--- a/FindbugsPresentación.pptx
+++ b/FindbugsPresentación.pptx
@@ -12,6 +12,7 @@
     <p:sldId id="260" r:id="rId6"/>
     <p:sldId id="261" r:id="rId7"/>
     <p:sldId id="262" r:id="rId8"/>
+    <p:sldId id="263" r:id="rId9"/>
   </p:sldIdLst>
   <p:sldSz cx="12192000" cy="6858000"/>
   <p:notesSz cx="6858000" cy="9144000"/>
@@ -110,6 +111,11 @@
       </a:defRPr>
     </a:lvl9pPr>
   </p:defaultTextStyle>
+  <p:extLst>
+    <p:ext uri="{EFAFB233-063F-42B5-8137-9DF3F51BA10A}">
+      <p15:sldGuideLst xmlns:p15="http://schemas.microsoft.com/office/powerpoint/2012/main"/>
+    </p:ext>
+  </p:extLst>
 </p:presentation>
 </file>
 
@@ -283,7 +289,7 @@
           <a:p>
             <a:fld id="{48A87A34-81AB-432B-8DAE-1953F412C126}" type="datetimeFigureOut">
               <a:rPr lang="en-US" dirty="0"/>
-              <a:t>1/4/2019</a:t>
+              <a:t>1/6/2019</a:t>
             </a:fld>
             <a:endParaRPr lang="en-US" dirty="0"/>
           </a:p>
@@ -545,7 +551,7 @@
           <a:p>
             <a:fld id="{48A87A34-81AB-432B-8DAE-1953F412C126}" type="datetimeFigureOut">
               <a:rPr lang="en-US" dirty="0"/>
-              <a:t>1/4/2019</a:t>
+              <a:t>1/6/2019</a:t>
             </a:fld>
             <a:endParaRPr lang="en-US" dirty="0"/>
           </a:p>
@@ -772,7 +778,7 @@
             <a:fld id="{48A87A34-81AB-432B-8DAE-1953F412C126}" type="datetimeFigureOut">
               <a:rPr lang="en-US" dirty="0"/>
               <a:pPr/>
-              <a:t>1/4/2019</a:t>
+              <a:t>1/6/2019</a:t>
             </a:fld>
             <a:endParaRPr lang="en-US" dirty="0"/>
           </a:p>
@@ -1078,7 +1084,7 @@
             <a:fld id="{48A87A34-81AB-432B-8DAE-1953F412C126}" type="datetimeFigureOut">
               <a:rPr lang="en-US" dirty="0"/>
               <a:pPr/>
-              <a:t>1/4/2019</a:t>
+              <a:t>1/6/2019</a:t>
             </a:fld>
             <a:endParaRPr lang="en-US" dirty="0"/>
           </a:p>
@@ -1547,7 +1553,7 @@
             <a:fld id="{48A87A34-81AB-432B-8DAE-1953F412C126}" type="datetimeFigureOut">
               <a:rPr lang="en-US" dirty="0"/>
               <a:pPr/>
-              <a:t>1/4/2019</a:t>
+              <a:t>1/6/2019</a:t>
             </a:fld>
             <a:endParaRPr lang="en-US" dirty="0"/>
           </a:p>
@@ -2089,7 +2095,7 @@
           <a:p>
             <a:fld id="{48A87A34-81AB-432B-8DAE-1953F412C126}" type="datetimeFigureOut">
               <a:rPr lang="en-US" dirty="0"/>
-              <a:t>1/4/2019</a:t>
+              <a:t>1/6/2019</a:t>
             </a:fld>
             <a:endParaRPr lang="en-US" dirty="0"/>
           </a:p>
@@ -2858,7 +2864,7 @@
           <a:p>
             <a:fld id="{48A87A34-81AB-432B-8DAE-1953F412C126}" type="datetimeFigureOut">
               <a:rPr lang="en-US" dirty="0"/>
-              <a:t>1/4/2019</a:t>
+              <a:t>1/6/2019</a:t>
             </a:fld>
             <a:endParaRPr lang="en-US" dirty="0"/>
           </a:p>
@@ -3028,7 +3034,7 @@
           <a:p>
             <a:fld id="{48A87A34-81AB-432B-8DAE-1953F412C126}" type="datetimeFigureOut">
               <a:rPr lang="en-US" dirty="0"/>
-              <a:t>1/4/2019</a:t>
+              <a:t>1/6/2019</a:t>
             </a:fld>
             <a:endParaRPr lang="en-US" dirty="0"/>
           </a:p>
@@ -3247,7 +3253,7 @@
             <a:fld id="{48A87A34-81AB-432B-8DAE-1953F412C126}" type="datetimeFigureOut">
               <a:rPr lang="en-US" dirty="0"/>
               <a:pPr/>
-              <a:t>1/4/2019</a:t>
+              <a:t>1/6/2019</a:t>
             </a:fld>
             <a:endParaRPr lang="en-US" dirty="0"/>
           </a:p>
@@ -3422,7 +3428,7 @@
           <a:p>
             <a:fld id="{48A87A34-81AB-432B-8DAE-1953F412C126}" type="datetimeFigureOut">
               <a:rPr lang="en-US" dirty="0"/>
-              <a:t>1/4/2019</a:t>
+              <a:t>1/6/2019</a:t>
             </a:fld>
             <a:endParaRPr lang="en-US" dirty="0"/>
           </a:p>
@@ -3707,7 +3713,7 @@
             <a:fld id="{48A87A34-81AB-432B-8DAE-1953F412C126}" type="datetimeFigureOut">
               <a:rPr lang="en-US" dirty="0"/>
               <a:pPr/>
-              <a:t>1/4/2019</a:t>
+              <a:t>1/6/2019</a:t>
             </a:fld>
             <a:endParaRPr lang="en-US" dirty="0"/>
           </a:p>
@@ -3944,7 +3950,7 @@
           <a:p>
             <a:fld id="{48A87A34-81AB-432B-8DAE-1953F412C126}" type="datetimeFigureOut">
               <a:rPr lang="en-US" dirty="0"/>
-              <a:t>1/4/2019</a:t>
+              <a:t>1/6/2019</a:t>
             </a:fld>
             <a:endParaRPr lang="en-US" dirty="0"/>
           </a:p>
@@ -4318,7 +4324,7 @@
           <a:p>
             <a:fld id="{48A87A34-81AB-432B-8DAE-1953F412C126}" type="datetimeFigureOut">
               <a:rPr lang="en-US" dirty="0"/>
-              <a:t>1/4/2019</a:t>
+              <a:t>1/6/2019</a:t>
             </a:fld>
             <a:endParaRPr lang="en-US" dirty="0"/>
           </a:p>
@@ -4431,7 +4437,7 @@
           <a:p>
             <a:fld id="{48A87A34-81AB-432B-8DAE-1953F412C126}" type="datetimeFigureOut">
               <a:rPr lang="en-US" dirty="0"/>
-              <a:t>1/4/2019</a:t>
+              <a:t>1/6/2019</a:t>
             </a:fld>
             <a:endParaRPr lang="en-US" dirty="0"/>
           </a:p>
@@ -4521,7 +4527,7 @@
           <a:p>
             <a:fld id="{48A87A34-81AB-432B-8DAE-1953F412C126}" type="datetimeFigureOut">
               <a:rPr lang="en-US" dirty="0"/>
-              <a:t>1/4/2019</a:t>
+              <a:t>1/6/2019</a:t>
             </a:fld>
             <a:endParaRPr lang="en-US" dirty="0"/>
           </a:p>
@@ -4765,7 +4771,7 @@
           <a:p>
             <a:fld id="{48A87A34-81AB-432B-8DAE-1953F412C126}" type="datetimeFigureOut">
               <a:rPr lang="en-US" dirty="0"/>
-              <a:t>1/4/2019</a:t>
+              <a:t>1/6/2019</a:t>
             </a:fld>
             <a:endParaRPr lang="en-US" dirty="0"/>
           </a:p>
@@ -5017,7 +5023,7 @@
           <a:p>
             <a:fld id="{48A87A34-81AB-432B-8DAE-1953F412C126}" type="datetimeFigureOut">
               <a:rPr lang="en-US" dirty="0"/>
-              <a:t>1/4/2019</a:t>
+              <a:t>1/6/2019</a:t>
             </a:fld>
             <a:endParaRPr lang="en-US" dirty="0"/>
           </a:p>
@@ -5256,7 +5262,7 @@
             <a:fld id="{48A87A34-81AB-432B-8DAE-1953F412C126}" type="datetimeFigureOut">
               <a:rPr lang="en-US" dirty="0"/>
               <a:pPr/>
-              <a:t>1/4/2019</a:t>
+              <a:t>1/6/2019</a:t>
             </a:fld>
             <a:endParaRPr lang="en-US" dirty="0"/>
           </a:p>
@@ -6203,7 +6209,6 @@
               <a:rPr lang="es-ES" dirty="0"/>
               <a:t>de comandos, </a:t>
             </a:r>
-            <a:endParaRPr lang="es-ES" dirty="0"/>
           </a:p>
           <a:p>
             <a:pPr lvl="1"/>
@@ -7013,6 +7018,219 @@
     <p:extLst>
       <p:ext uri="{BB962C8B-B14F-4D97-AF65-F5344CB8AC3E}">
         <p14:creationId xmlns:p14="http://schemas.microsoft.com/office/powerpoint/2010/main" val="3706242052"/>
+      </p:ext>
+    </p:extLst>
+  </p:cSld>
+  <p:clrMapOvr>
+    <a:masterClrMapping/>
+  </p:clrMapOvr>
+</p:sld>
+</file>
+
+<file path=ppt/slides/slide8.xml><?xml version="1.0" encoding="utf-8"?>
+<p:sld xmlns:a="http://schemas.openxmlformats.org/drawingml/2006/main" xmlns:r="http://schemas.openxmlformats.org/officeDocument/2006/relationships" xmlns:p="http://schemas.openxmlformats.org/presentationml/2006/main">
+  <p:cSld>
+    <p:spTree>
+      <p:nvGrpSpPr>
+        <p:cNvPr id="1" name=""/>
+        <p:cNvGrpSpPr/>
+        <p:nvPr/>
+      </p:nvGrpSpPr>
+      <p:grpSpPr>
+        <a:xfrm>
+          <a:off x="0" y="0"/>
+          <a:ext cx="0" cy="0"/>
+          <a:chOff x="0" y="0"/>
+          <a:chExt cx="0" cy="0"/>
+        </a:xfrm>
+      </p:grpSpPr>
+      <p:sp>
+        <p:nvSpPr>
+          <p:cNvPr id="2" name="Título 1"/>
+          <p:cNvSpPr>
+            <a:spLocks noGrp="1"/>
+          </p:cNvSpPr>
+          <p:nvPr>
+            <p:ph type="title"/>
+          </p:nvPr>
+        </p:nvSpPr>
+        <p:spPr/>
+        <p:txBody>
+          <a:bodyPr/>
+          <a:lstStyle/>
+          <a:p>
+            <a:r>
+              <a:rPr lang="es-ES" dirty="0" smtClean="0"/>
+              <a:t>Otros usos	</a:t>
+            </a:r>
+            <a:endParaRPr lang="es-ES" dirty="0"/>
+          </a:p>
+        </p:txBody>
+      </p:sp>
+      <p:sp>
+        <p:nvSpPr>
+          <p:cNvPr id="3" name="Marcador de contenido 2"/>
+          <p:cNvSpPr>
+            <a:spLocks noGrp="1"/>
+          </p:cNvSpPr>
+          <p:nvPr>
+            <p:ph idx="1"/>
+          </p:nvPr>
+        </p:nvSpPr>
+        <p:spPr/>
+        <p:txBody>
+          <a:bodyPr/>
+          <a:lstStyle/>
+          <a:p>
+            <a:r>
+              <a:rPr lang="es-ES" dirty="0" err="1" smtClean="0"/>
+              <a:t>Instalacion</a:t>
+            </a:r>
+            <a:r>
+              <a:rPr lang="es-ES" dirty="0" smtClean="0"/>
+              <a:t> como </a:t>
+            </a:r>
+            <a:r>
+              <a:rPr lang="es-ES" dirty="0" err="1" smtClean="0"/>
+              <a:t>plugin</a:t>
+            </a:r>
+            <a:r>
+              <a:rPr lang="es-ES" dirty="0" smtClean="0"/>
+              <a:t> para </a:t>
+            </a:r>
+            <a:r>
+              <a:rPr lang="es-ES" dirty="0" err="1" smtClean="0"/>
+              <a:t>AndroidStudio</a:t>
+            </a:r>
+            <a:r>
+              <a:rPr lang="es-ES" dirty="0" smtClean="0"/>
+              <a:t>:</a:t>
+            </a:r>
+          </a:p>
+          <a:p>
+            <a:pPr lvl="1"/>
+            <a:r>
+              <a:rPr lang="es-ES" dirty="0" smtClean="0"/>
+              <a:t>File -&gt; </a:t>
+            </a:r>
+            <a:r>
+              <a:rPr lang="es-ES" dirty="0" err="1" smtClean="0"/>
+              <a:t>Settings</a:t>
+            </a:r>
+            <a:r>
+              <a:rPr lang="es-ES" dirty="0" smtClean="0"/>
+              <a:t>… -&gt; </a:t>
+            </a:r>
+            <a:r>
+              <a:rPr lang="es-ES" dirty="0" err="1" smtClean="0"/>
+              <a:t>Plugin</a:t>
+            </a:r>
+            <a:r>
+              <a:rPr lang="es-ES" dirty="0" smtClean="0"/>
+              <a:t> -&gt; </a:t>
+            </a:r>
+            <a:r>
+              <a:rPr lang="es-ES" dirty="0" err="1" smtClean="0"/>
+              <a:t>Browse</a:t>
+            </a:r>
+            <a:r>
+              <a:rPr lang="es-ES" dirty="0" smtClean="0"/>
+              <a:t> </a:t>
+            </a:r>
+            <a:r>
+              <a:rPr lang="es-ES" dirty="0" err="1" smtClean="0"/>
+              <a:t>repositories</a:t>
+            </a:r>
+            <a:r>
+              <a:rPr lang="es-ES" dirty="0" smtClean="0"/>
+              <a:t>… </a:t>
+            </a:r>
+          </a:p>
+          <a:p>
+            <a:pPr lvl="1"/>
+            <a:r>
+              <a:rPr lang="es-ES" dirty="0" smtClean="0"/>
+              <a:t>Buscar ‘</a:t>
+            </a:r>
+            <a:r>
+              <a:rPr lang="es-ES" dirty="0" err="1" smtClean="0"/>
+              <a:t>QAPlug</a:t>
+            </a:r>
+            <a:r>
+              <a:rPr lang="es-ES" dirty="0" smtClean="0"/>
+              <a:t>’</a:t>
+            </a:r>
+          </a:p>
+          <a:p>
+            <a:pPr lvl="2"/>
+            <a:r>
+              <a:rPr lang="es-ES" dirty="0" smtClean="0"/>
+              <a:t>Este </a:t>
+            </a:r>
+            <a:r>
+              <a:rPr lang="es-ES" dirty="0" err="1" smtClean="0"/>
+              <a:t>plugin</a:t>
+            </a:r>
+            <a:r>
+              <a:rPr lang="es-ES" dirty="0" smtClean="0"/>
+              <a:t> contiene además de otros analizadores de calidad, la herramienta </a:t>
+            </a:r>
+            <a:r>
+              <a:rPr lang="es-ES" dirty="0" err="1" smtClean="0"/>
+              <a:t>finbugs</a:t>
+            </a:r>
+            <a:r>
+              <a:rPr lang="es-ES" smtClean="0"/>
+              <a:t>.</a:t>
+            </a:r>
+            <a:endParaRPr lang="es-ES" dirty="0"/>
+          </a:p>
+          <a:p>
+            <a:pPr lvl="2"/>
+            <a:r>
+              <a:rPr lang="es-ES" dirty="0" smtClean="0"/>
+              <a:t>Para utilizarlo seleccionamos con </a:t>
+            </a:r>
+            <a:r>
+              <a:rPr lang="es-ES" dirty="0" err="1" smtClean="0"/>
+              <a:t>click</a:t>
+            </a:r>
+            <a:r>
+              <a:rPr lang="es-ES" dirty="0" smtClean="0"/>
+              <a:t> derecho y le damos a </a:t>
+            </a:r>
+            <a:r>
+              <a:rPr lang="es-ES" dirty="0" err="1" smtClean="0"/>
+              <a:t>analyze</a:t>
+            </a:r>
+            <a:r>
+              <a:rPr lang="es-ES" dirty="0" smtClean="0"/>
+              <a:t> -&gt; </a:t>
+            </a:r>
+            <a:r>
+              <a:rPr lang="es-ES" dirty="0" err="1" smtClean="0"/>
+              <a:t>inspect</a:t>
+            </a:r>
+            <a:r>
+              <a:rPr lang="es-ES" dirty="0" smtClean="0"/>
+              <a:t> </a:t>
+            </a:r>
+            <a:r>
+              <a:rPr lang="es-ES" dirty="0" err="1" smtClean="0"/>
+              <a:t>code</a:t>
+            </a:r>
+            <a:r>
+              <a:rPr lang="es-ES" dirty="0" smtClean="0"/>
+              <a:t>…</a:t>
+            </a:r>
+            <a:endParaRPr lang="es-ES" dirty="0"/>
+          </a:p>
+        </p:txBody>
+      </p:sp>
+    </p:spTree>
+    <p:extLst>
+      <p:ext uri="{BB962C8B-B14F-4D97-AF65-F5344CB8AC3E}">
+        <p14:creationId xmlns:p14="http://schemas.microsoft.com/office/powerpoint/2010/main" val="464165055"/>
       </p:ext>
     </p:extLst>
   </p:cSld>
